--- a/docs/diagrams/ModelComponentClassEvenBetterOopDiagram.pptx
+++ b/docs/diagrams/ModelComponentClassEvenBetterOopDiagram.pptx
@@ -208,7 +208,7 @@
           <a:p>
             <a:fld id="{F5CC4B3F-88C1-4FFA-B1B6-F41C21DC6924}" type="datetimeFigureOut">
               <a:rPr lang="en-US" smtClean="0"/>
-              <a:t>10/23/18</a:t>
+              <a:t>11/12/18</a:t>
             </a:fld>
             <a:endParaRPr lang="en-US"/>
           </a:p>
@@ -654,7 +654,7 @@
           <a:p>
             <a:fld id="{78C97017-6FC3-485B-9764-EAC9E56C1D49}" type="datetimeFigureOut">
               <a:rPr lang="en-US" smtClean="0"/>
-              <a:t>10/23/18</a:t>
+              <a:t>11/12/18</a:t>
             </a:fld>
             <a:endParaRPr lang="en-US"/>
           </a:p>
@@ -822,7 +822,7 @@
           <a:p>
             <a:fld id="{78C97017-6FC3-485B-9764-EAC9E56C1D49}" type="datetimeFigureOut">
               <a:rPr lang="en-US" smtClean="0"/>
-              <a:t>10/23/18</a:t>
+              <a:t>11/12/18</a:t>
             </a:fld>
             <a:endParaRPr lang="en-US"/>
           </a:p>
@@ -1000,7 +1000,7 @@
           <a:p>
             <a:fld id="{78C97017-6FC3-485B-9764-EAC9E56C1D49}" type="datetimeFigureOut">
               <a:rPr lang="en-US" smtClean="0"/>
-              <a:t>10/23/18</a:t>
+              <a:t>11/12/18</a:t>
             </a:fld>
             <a:endParaRPr lang="en-US"/>
           </a:p>
@@ -1168,7 +1168,7 @@
           <a:p>
             <a:fld id="{78C97017-6FC3-485B-9764-EAC9E56C1D49}" type="datetimeFigureOut">
               <a:rPr lang="en-US" smtClean="0"/>
-              <a:t>10/23/18</a:t>
+              <a:t>11/12/18</a:t>
             </a:fld>
             <a:endParaRPr lang="en-US"/>
           </a:p>
@@ -1413,7 +1413,7 @@
           <a:p>
             <a:fld id="{78C97017-6FC3-485B-9764-EAC9E56C1D49}" type="datetimeFigureOut">
               <a:rPr lang="en-US" smtClean="0"/>
-              <a:t>10/23/18</a:t>
+              <a:t>11/12/18</a:t>
             </a:fld>
             <a:endParaRPr lang="en-US"/>
           </a:p>
@@ -1698,7 +1698,7 @@
           <a:p>
             <a:fld id="{78C97017-6FC3-485B-9764-EAC9E56C1D49}" type="datetimeFigureOut">
               <a:rPr lang="en-US" smtClean="0"/>
-              <a:t>10/23/18</a:t>
+              <a:t>11/12/18</a:t>
             </a:fld>
             <a:endParaRPr lang="en-US"/>
           </a:p>
@@ -2117,7 +2117,7 @@
           <a:p>
             <a:fld id="{78C97017-6FC3-485B-9764-EAC9E56C1D49}" type="datetimeFigureOut">
               <a:rPr lang="en-US" smtClean="0"/>
-              <a:t>10/23/18</a:t>
+              <a:t>11/12/18</a:t>
             </a:fld>
             <a:endParaRPr lang="en-US"/>
           </a:p>
@@ -2234,7 +2234,7 @@
           <a:p>
             <a:fld id="{78C97017-6FC3-485B-9764-EAC9E56C1D49}" type="datetimeFigureOut">
               <a:rPr lang="en-US" smtClean="0"/>
-              <a:t>10/23/18</a:t>
+              <a:t>11/12/18</a:t>
             </a:fld>
             <a:endParaRPr lang="en-US"/>
           </a:p>
@@ -2329,7 +2329,7 @@
           <a:p>
             <a:fld id="{78C97017-6FC3-485B-9764-EAC9E56C1D49}" type="datetimeFigureOut">
               <a:rPr lang="en-US" smtClean="0"/>
-              <a:t>10/23/18</a:t>
+              <a:t>11/12/18</a:t>
             </a:fld>
             <a:endParaRPr lang="en-US"/>
           </a:p>
@@ -2604,7 +2604,7 @@
           <a:p>
             <a:fld id="{78C97017-6FC3-485B-9764-EAC9E56C1D49}" type="datetimeFigureOut">
               <a:rPr lang="en-US" smtClean="0"/>
-              <a:t>10/23/18</a:t>
+              <a:t>11/12/18</a:t>
             </a:fld>
             <a:endParaRPr lang="en-US"/>
           </a:p>
@@ -2856,7 +2856,7 @@
           <a:p>
             <a:fld id="{78C97017-6FC3-485B-9764-EAC9E56C1D49}" type="datetimeFigureOut">
               <a:rPr lang="en-US" smtClean="0"/>
-              <a:t>10/23/18</a:t>
+              <a:t>11/12/18</a:t>
             </a:fld>
             <a:endParaRPr lang="en-US"/>
           </a:p>
@@ -3067,7 +3067,7 @@
           <a:p>
             <a:fld id="{78C97017-6FC3-485B-9764-EAC9E56C1D49}" type="datetimeFigureOut">
               <a:rPr lang="en-US" smtClean="0"/>
-              <a:t>10/23/18</a:t>
+              <a:t>11/12/18</a:t>
             </a:fld>
             <a:endParaRPr lang="en-US"/>
           </a:p>
@@ -3450,8 +3450,8 @@
         </p:nvSpPr>
         <p:spPr>
           <a:xfrm>
-            <a:off x="1119865" y="1676400"/>
-            <a:ext cx="7490735" cy="3059747"/>
+            <a:off x="1119865" y="855360"/>
+            <a:ext cx="7490735" cy="3880787"/>
           </a:xfrm>
           <a:prstGeom prst="roundRect">
             <a:avLst>
@@ -3570,8 +3570,8 @@
         </p:nvSpPr>
         <p:spPr>
           <a:xfrm rot="16200000">
-            <a:off x="1661548" y="3097750"/>
-            <a:ext cx="1093635" cy="346760"/>
+            <a:off x="1543274" y="2979476"/>
+            <a:ext cx="1330184" cy="346760"/>
           </a:xfrm>
           <a:prstGeom prst="rect">
             <a:avLst/>
@@ -5052,7 +5052,7 @@
         </p:nvSpPr>
         <p:spPr>
           <a:xfrm>
-            <a:off x="2560167" y="2753818"/>
+            <a:off x="2698612" y="3055390"/>
             <a:ext cx="78378" cy="193767"/>
           </a:xfrm>
           <a:prstGeom prst="rect">
@@ -5673,18 +5673,19 @@
         <p:nvCxnSpPr>
           <p:cNvPr id="90" name="Elbow Connector 63"/>
           <p:cNvCxnSpPr>
+            <a:cxnSpLocks/>
             <a:stCxn id="91" idx="3"/>
           </p:cNvCxnSpPr>
           <p:nvPr/>
         </p:nvCxnSpPr>
         <p:spPr>
-          <a:xfrm rot="5400000">
-            <a:off x="3470636" y="2687353"/>
-            <a:ext cx="293825" cy="5938"/>
+          <a:xfrm rot="16200000" flipH="1">
+            <a:off x="3360582" y="2175713"/>
+            <a:ext cx="1111824" cy="252885"/>
           </a:xfrm>
           <a:prstGeom prst="bentConnector3">
             <a:avLst>
-              <a:gd name="adj1" fmla="val 50000"/>
+              <a:gd name="adj1" fmla="val 13578"/>
             </a:avLst>
           </a:prstGeom>
           <a:ln w="19050">
@@ -5720,7 +5721,7 @@
         </p:nvSpPr>
         <p:spPr>
           <a:xfrm rot="10800000" flipV="1">
-            <a:off x="3479324" y="2386348"/>
+            <a:off x="3648859" y="1589182"/>
             <a:ext cx="282387" cy="157062"/>
           </a:xfrm>
           <a:prstGeom prst="triangle">
@@ -5768,7 +5769,7 @@
         </p:nvSpPr>
         <p:spPr>
           <a:xfrm>
-            <a:off x="1177947" y="1998144"/>
+            <a:off x="1347482" y="1200978"/>
             <a:ext cx="1443661" cy="364396"/>
           </a:xfrm>
           <a:prstGeom prst="rect">
@@ -5839,7 +5840,7 @@
         </p:nvSpPr>
         <p:spPr>
           <a:xfrm>
-            <a:off x="3087206" y="1998144"/>
+            <a:off x="3256741" y="1200978"/>
             <a:ext cx="1060683" cy="364396"/>
           </a:xfrm>
           <a:prstGeom prst="rect">
@@ -5895,7 +5896,7 @@
         </p:nvSpPr>
         <p:spPr>
           <a:xfrm rot="16200000">
-            <a:off x="2586098" y="2068952"/>
+            <a:off x="2755633" y="1271786"/>
             <a:ext cx="271014" cy="187417"/>
           </a:xfrm>
           <a:prstGeom prst="triangle">
@@ -5950,7 +5951,7 @@
         </p:nvCxnSpPr>
         <p:spPr>
           <a:xfrm>
-            <a:off x="2815314" y="2177521"/>
+            <a:off x="2984849" y="1380355"/>
             <a:ext cx="271892" cy="2821"/>
           </a:xfrm>
           <a:prstGeom prst="bentConnector3">
@@ -6439,6 +6440,396 @@
           </a:p>
         </p:txBody>
       </p:sp>
+      <p:sp>
+        <p:nvSpPr>
+          <p:cNvPr id="89" name="Rectangle 8">
+            <a:extLst>
+              <a:ext uri="{FF2B5EF4-FFF2-40B4-BE49-F238E27FC236}">
+                <a16:creationId xmlns:a16="http://schemas.microsoft.com/office/drawing/2014/main" id="{5B8396D4-715F-E241-9E0F-699C725B9706}"/>
+              </a:ext>
+            </a:extLst>
+          </p:cNvPr>
+          <p:cNvSpPr/>
+          <p:nvPr/>
+        </p:nvSpPr>
+        <p:spPr>
+          <a:xfrm>
+            <a:off x="2769086" y="2393970"/>
+            <a:ext cx="1198402" cy="346760"/>
+          </a:xfrm>
+          <a:prstGeom prst="rect">
+            <a:avLst/>
+          </a:prstGeom>
+          <a:ln w="19050">
+            <a:solidFill>
+              <a:srgbClr val="7030A0"/>
+            </a:solidFill>
+          </a:ln>
+          <a:effectLst/>
+        </p:spPr>
+        <p:style>
+          <a:lnRef idx="1">
+            <a:schemeClr val="accent4"/>
+          </a:lnRef>
+          <a:fillRef idx="2">
+            <a:schemeClr val="accent4"/>
+          </a:fillRef>
+          <a:effectRef idx="1">
+            <a:schemeClr val="accent4"/>
+          </a:effectRef>
+          <a:fontRef idx="minor">
+            <a:schemeClr val="dk1"/>
+          </a:fontRef>
+        </p:style>
+        <p:txBody>
+          <a:bodyPr rtlCol="0" anchor="ctr"/>
+          <a:lstStyle/>
+          <a:p>
+            <a:pPr algn="ctr"/>
+            <a:r>
+              <a:rPr lang="en-US" sz="1050" dirty="0" err="1">
+                <a:solidFill>
+                  <a:srgbClr val="7030A0"/>
+                </a:solidFill>
+              </a:rPr>
+              <a:t>NotesDownloaded</a:t>
+            </a:r>
+            <a:endParaRPr lang="en-SG" sz="1050" dirty="0">
+              <a:solidFill>
+                <a:srgbClr val="7030A0"/>
+              </a:solidFill>
+            </a:endParaRPr>
+          </a:p>
+        </p:txBody>
+      </p:sp>
+      <p:cxnSp>
+        <p:nvCxnSpPr>
+          <p:cNvPr id="96" name="Straight Arrow Connector 95">
+            <a:extLst>
+              <a:ext uri="{FF2B5EF4-FFF2-40B4-BE49-F238E27FC236}">
+                <a16:creationId xmlns:a16="http://schemas.microsoft.com/office/drawing/2014/main" id="{88E763BF-8834-A14C-99A8-208597ED773C}"/>
+              </a:ext>
+            </a:extLst>
+          </p:cNvPr>
+          <p:cNvCxnSpPr>
+            <a:cxnSpLocks/>
+            <a:stCxn id="97" idx="3"/>
+            <a:endCxn id="89" idx="1"/>
+          </p:cNvCxnSpPr>
+          <p:nvPr/>
+        </p:nvCxnSpPr>
+        <p:spPr>
+          <a:xfrm>
+            <a:off x="2607040" y="2562092"/>
+            <a:ext cx="162046" cy="5258"/>
+          </a:xfrm>
+          <a:prstGeom prst="straightConnector1">
+            <a:avLst/>
+          </a:prstGeom>
+          <a:ln w="19050">
+            <a:solidFill>
+              <a:srgbClr val="7030A0"/>
+            </a:solidFill>
+            <a:headEnd type="none" w="med" len="med"/>
+            <a:tailEnd type="arrow" w="med" len="med"/>
+          </a:ln>
+          <a:effectLst/>
+        </p:spPr>
+        <p:style>
+          <a:lnRef idx="1">
+            <a:schemeClr val="accent2"/>
+          </a:lnRef>
+          <a:fillRef idx="2">
+            <a:schemeClr val="accent2"/>
+          </a:fillRef>
+          <a:effectRef idx="1">
+            <a:schemeClr val="accent2"/>
+          </a:effectRef>
+          <a:fontRef idx="minor">
+            <a:schemeClr val="dk1"/>
+          </a:fontRef>
+        </p:style>
+      </p:cxnSp>
+      <p:sp>
+        <p:nvSpPr>
+          <p:cNvPr id="97" name="Flowchart: Decision 96">
+            <a:extLst>
+              <a:ext uri="{FF2B5EF4-FFF2-40B4-BE49-F238E27FC236}">
+                <a16:creationId xmlns:a16="http://schemas.microsoft.com/office/drawing/2014/main" id="{9D456D45-B5DB-2B4F-92F6-68BA7FAD8AB4}"/>
+              </a:ext>
+            </a:extLst>
+          </p:cNvPr>
+          <p:cNvSpPr/>
+          <p:nvPr/>
+        </p:nvSpPr>
+        <p:spPr>
+          <a:xfrm>
+            <a:off x="2370992" y="2475402"/>
+            <a:ext cx="236048" cy="173380"/>
+          </a:xfrm>
+          <a:prstGeom prst="flowChartDecision">
+            <a:avLst/>
+          </a:prstGeom>
+          <a:noFill/>
+          <a:ln w="19050">
+            <a:solidFill>
+              <a:srgbClr val="7030A0"/>
+            </a:solidFill>
+          </a:ln>
+          <a:effectLst/>
+        </p:spPr>
+        <p:style>
+          <a:lnRef idx="1">
+            <a:schemeClr val="accent6"/>
+          </a:lnRef>
+          <a:fillRef idx="2">
+            <a:schemeClr val="accent6"/>
+          </a:fillRef>
+          <a:effectRef idx="1">
+            <a:schemeClr val="accent6"/>
+          </a:effectRef>
+          <a:fontRef idx="minor">
+            <a:schemeClr val="dk1"/>
+          </a:fontRef>
+        </p:style>
+        <p:txBody>
+          <a:bodyPr rtlCol="0" anchor="ctr"/>
+          <a:lstStyle/>
+          <a:p>
+            <a:pPr algn="ctr"/>
+            <a:endParaRPr lang="en-US" sz="1050"/>
+          </a:p>
+        </p:txBody>
+      </p:sp>
+      <p:sp>
+        <p:nvSpPr>
+          <p:cNvPr id="98" name="TextBox 97">
+            <a:extLst>
+              <a:ext uri="{FF2B5EF4-FFF2-40B4-BE49-F238E27FC236}">
+                <a16:creationId xmlns:a16="http://schemas.microsoft.com/office/drawing/2014/main" id="{29941B55-0502-6D4C-A211-998CDFA79E83}"/>
+              </a:ext>
+            </a:extLst>
+          </p:cNvPr>
+          <p:cNvSpPr txBox="1"/>
+          <p:nvPr/>
+        </p:nvSpPr>
+        <p:spPr>
+          <a:xfrm>
+            <a:off x="2681676" y="2598379"/>
+            <a:ext cx="78378" cy="193767"/>
+          </a:xfrm>
+          <a:prstGeom prst="rect">
+            <a:avLst/>
+          </a:prstGeom>
+          <a:noFill/>
+        </p:spPr>
+        <p:txBody>
+          <a:bodyPr wrap="square" lIns="0" tIns="0" rIns="0" bIns="0" rtlCol="0">
+            <a:noAutofit/>
+          </a:bodyPr>
+          <a:lstStyle/>
+          <a:p>
+            <a:pPr algn="ctr"/>
+            <a:r>
+              <a:rPr lang="en-US" sz="1100" dirty="0">
+                <a:solidFill>
+                  <a:srgbClr val="7030A0"/>
+                </a:solidFill>
+              </a:rPr>
+              <a:t>1</a:t>
+            </a:r>
+            <a:endParaRPr lang="en-SG" sz="1100" dirty="0">
+              <a:solidFill>
+                <a:srgbClr val="7030A0"/>
+              </a:solidFill>
+            </a:endParaRPr>
+          </a:p>
+        </p:txBody>
+      </p:sp>
+      <p:sp>
+        <p:nvSpPr>
+          <p:cNvPr id="99" name="Rectangle 8">
+            <a:extLst>
+              <a:ext uri="{FF2B5EF4-FFF2-40B4-BE49-F238E27FC236}">
+                <a16:creationId xmlns:a16="http://schemas.microsoft.com/office/drawing/2014/main" id="{063EE8A3-D76B-5C43-A2AD-A70170409330}"/>
+              </a:ext>
+            </a:extLst>
+          </p:cNvPr>
+          <p:cNvSpPr/>
+          <p:nvPr/>
+        </p:nvSpPr>
+        <p:spPr>
+          <a:xfrm>
+            <a:off x="1333329" y="1756211"/>
+            <a:ext cx="1443661" cy="364396"/>
+          </a:xfrm>
+          <a:prstGeom prst="rect">
+            <a:avLst/>
+          </a:prstGeom>
+          <a:ln w="19050">
+            <a:solidFill>
+              <a:srgbClr val="7030A0"/>
+            </a:solidFill>
+          </a:ln>
+          <a:effectLst/>
+        </p:spPr>
+        <p:style>
+          <a:lnRef idx="1">
+            <a:schemeClr val="accent4"/>
+          </a:lnRef>
+          <a:fillRef idx="2">
+            <a:schemeClr val="accent4"/>
+          </a:fillRef>
+          <a:effectRef idx="1">
+            <a:schemeClr val="accent4"/>
+          </a:effectRef>
+          <a:fontRef idx="minor">
+            <a:schemeClr val="dk1"/>
+          </a:fontRef>
+        </p:style>
+        <p:txBody>
+          <a:bodyPr rtlCol="0" anchor="ctr"/>
+          <a:lstStyle/>
+          <a:p>
+            <a:pPr algn="ctr"/>
+            <a:r>
+              <a:rPr lang="en-US" sz="1050" dirty="0">
+                <a:solidFill>
+                  <a:srgbClr val="7030A0"/>
+                </a:solidFill>
+              </a:rPr>
+              <a:t>&lt;&lt;interface&gt;&gt;</a:t>
+            </a:r>
+            <a:br>
+              <a:rPr lang="en-US" sz="1050" dirty="0">
+                <a:solidFill>
+                  <a:srgbClr val="7030A0"/>
+                </a:solidFill>
+              </a:rPr>
+            </a:br>
+            <a:r>
+              <a:rPr lang="en-US" sz="1050" dirty="0" err="1">
+                <a:solidFill>
+                  <a:srgbClr val="7030A0"/>
+                </a:solidFill>
+              </a:rPr>
+              <a:t>NotesDownloaded</a:t>
+            </a:r>
+            <a:endParaRPr lang="en-SG" sz="1050" dirty="0">
+              <a:solidFill>
+                <a:srgbClr val="7030A0"/>
+              </a:solidFill>
+            </a:endParaRPr>
+          </a:p>
+        </p:txBody>
+      </p:sp>
+      <p:sp>
+        <p:nvSpPr>
+          <p:cNvPr id="100" name="Isosceles Triangle 102">
+            <a:extLst>
+              <a:ext uri="{FF2B5EF4-FFF2-40B4-BE49-F238E27FC236}">
+                <a16:creationId xmlns:a16="http://schemas.microsoft.com/office/drawing/2014/main" id="{347C137C-69C9-054B-9093-31D32E942923}"/>
+              </a:ext>
+            </a:extLst>
+          </p:cNvPr>
+          <p:cNvSpPr/>
+          <p:nvPr/>
+        </p:nvSpPr>
+        <p:spPr>
+          <a:xfrm rot="16200000">
+            <a:off x="2744608" y="1842976"/>
+            <a:ext cx="271014" cy="187417"/>
+          </a:xfrm>
+          <a:prstGeom prst="triangle">
+            <a:avLst>
+              <a:gd name="adj" fmla="val 44517"/>
+            </a:avLst>
+          </a:prstGeom>
+          <a:solidFill>
+            <a:schemeClr val="accent4">
+              <a:lumMod val="20000"/>
+              <a:lumOff val="80000"/>
+            </a:schemeClr>
+          </a:solidFill>
+          <a:ln w="19050">
+            <a:solidFill>
+              <a:srgbClr val="7030A0"/>
+            </a:solidFill>
+          </a:ln>
+          <a:effectLst/>
+        </p:spPr>
+        <p:style>
+          <a:lnRef idx="1">
+            <a:schemeClr val="accent6"/>
+          </a:lnRef>
+          <a:fillRef idx="2">
+            <a:schemeClr val="accent6"/>
+          </a:fillRef>
+          <a:effectRef idx="1">
+            <a:schemeClr val="accent6"/>
+          </a:effectRef>
+          <a:fontRef idx="minor">
+            <a:schemeClr val="dk1"/>
+          </a:fontRef>
+        </p:style>
+        <p:txBody>
+          <a:bodyPr rtlCol="0" anchor="ctr"/>
+          <a:lstStyle/>
+          <a:p>
+            <a:pPr algn="ctr"/>
+            <a:endParaRPr lang="en-SG" sz="1050"/>
+          </a:p>
+        </p:txBody>
+      </p:sp>
+      <p:cxnSp>
+        <p:nvCxnSpPr>
+          <p:cNvPr id="101" name="Elbow Connector 63">
+            <a:extLst>
+              <a:ext uri="{FF2B5EF4-FFF2-40B4-BE49-F238E27FC236}">
+                <a16:creationId xmlns:a16="http://schemas.microsoft.com/office/drawing/2014/main" id="{8A760E0A-2B3D-6647-8E2C-D18A1E5CAFD2}"/>
+              </a:ext>
+            </a:extLst>
+          </p:cNvPr>
+          <p:cNvCxnSpPr>
+            <a:cxnSpLocks/>
+            <a:stCxn id="100" idx="3"/>
+            <a:endCxn id="89" idx="0"/>
+          </p:cNvCxnSpPr>
+          <p:nvPr/>
+        </p:nvCxnSpPr>
+        <p:spPr>
+          <a:xfrm>
+            <a:off x="2973824" y="1951545"/>
+            <a:ext cx="394463" cy="442425"/>
+          </a:xfrm>
+          <a:prstGeom prst="bentConnector2">
+            <a:avLst/>
+          </a:prstGeom>
+          <a:ln w="19050">
+            <a:solidFill>
+              <a:srgbClr val="7030A0"/>
+            </a:solidFill>
+            <a:prstDash val="sysDot"/>
+            <a:headEnd type="none" w="med" len="med"/>
+            <a:tailEnd type="none" w="med" len="med"/>
+          </a:ln>
+          <a:effectLst/>
+        </p:spPr>
+        <p:style>
+          <a:lnRef idx="1">
+            <a:schemeClr val="accent2"/>
+          </a:lnRef>
+          <a:fillRef idx="2">
+            <a:schemeClr val="accent2"/>
+          </a:fillRef>
+          <a:effectRef idx="1">
+            <a:schemeClr val="accent2"/>
+          </a:effectRef>
+          <a:fontRef idx="minor">
+            <a:schemeClr val="dk1"/>
+          </a:fontRef>
+        </p:style>
+      </p:cxnSp>
     </p:spTree>
     <p:extLst>
       <p:ext uri="{BB962C8B-B14F-4D97-AF65-F5344CB8AC3E}">
